--- a/soutenance/images/sg6bis.pptx
+++ b/soutenance/images/sg6bis.pptx
@@ -383,11 +383,11 @@
         </c:dLbls>
         <c:marker val="1"/>
         <c:smooth val="0"/>
-        <c:axId val="-2127403848"/>
-        <c:axId val="-2127400872"/>
+        <c:axId val="-2134462680"/>
+        <c:axId val="-2134459704"/>
       </c:lineChart>
       <c:catAx>
-        <c:axId val="-2127403848"/>
+        <c:axId val="-2134462680"/>
         <c:scaling>
           <c:orientation val="minMax"/>
         </c:scaling>
@@ -397,7 +397,7 @@
         <c:majorTickMark val="out"/>
         <c:minorTickMark val="none"/>
         <c:tickLblPos val="nextTo"/>
-        <c:crossAx val="-2127400872"/>
+        <c:crossAx val="-2134459704"/>
         <c:crosses val="autoZero"/>
         <c:auto val="1"/>
         <c:lblAlgn val="ctr"/>
@@ -405,7 +405,7 @@
         <c:noMultiLvlLbl val="0"/>
       </c:catAx>
       <c:valAx>
-        <c:axId val="-2127400872"/>
+        <c:axId val="-2134459704"/>
         <c:scaling>
           <c:orientation val="minMax"/>
           <c:min val="440.0"/>
@@ -423,7 +423,7 @@
         <c:majorTickMark val="out"/>
         <c:minorTickMark val="none"/>
         <c:tickLblPos val="nextTo"/>
-        <c:crossAx val="-2127403848"/>
+        <c:crossAx val="-2134462680"/>
         <c:crossesAt val="1.0"/>
         <c:crossBetween val="between"/>
       </c:valAx>
@@ -643,7 +643,7 @@
           <a:p>
             <a:fld id="{AEA23B3A-87CB-104F-B159-B84B1DEF9AF8}" type="datetimeFigureOut">
               <a:rPr lang="en-US" smtClean="0"/>
-              <a:t>20/06/16</a:t>
+              <a:t>23/06/16</a:t>
             </a:fld>
             <a:endParaRPr lang="en-GB"/>
           </a:p>
@@ -813,7 +813,7 @@
           <a:p>
             <a:fld id="{AEA23B3A-87CB-104F-B159-B84B1DEF9AF8}" type="datetimeFigureOut">
               <a:rPr lang="en-US" smtClean="0"/>
-              <a:t>20/06/16</a:t>
+              <a:t>23/06/16</a:t>
             </a:fld>
             <a:endParaRPr lang="en-GB"/>
           </a:p>
@@ -993,7 +993,7 @@
           <a:p>
             <a:fld id="{AEA23B3A-87CB-104F-B159-B84B1DEF9AF8}" type="datetimeFigureOut">
               <a:rPr lang="en-US" smtClean="0"/>
-              <a:t>20/06/16</a:t>
+              <a:t>23/06/16</a:t>
             </a:fld>
             <a:endParaRPr lang="en-GB"/>
           </a:p>
@@ -1163,7 +1163,7 @@
           <a:p>
             <a:fld id="{AEA23B3A-87CB-104F-B159-B84B1DEF9AF8}" type="datetimeFigureOut">
               <a:rPr lang="en-US" smtClean="0"/>
-              <a:t>20/06/16</a:t>
+              <a:t>23/06/16</a:t>
             </a:fld>
             <a:endParaRPr lang="en-GB"/>
           </a:p>
@@ -1409,7 +1409,7 @@
           <a:p>
             <a:fld id="{AEA23B3A-87CB-104F-B159-B84B1DEF9AF8}" type="datetimeFigureOut">
               <a:rPr lang="en-US" smtClean="0"/>
-              <a:t>20/06/16</a:t>
+              <a:t>23/06/16</a:t>
             </a:fld>
             <a:endParaRPr lang="en-GB"/>
           </a:p>
@@ -1697,7 +1697,7 @@
           <a:p>
             <a:fld id="{AEA23B3A-87CB-104F-B159-B84B1DEF9AF8}" type="datetimeFigureOut">
               <a:rPr lang="en-US" smtClean="0"/>
-              <a:t>20/06/16</a:t>
+              <a:t>23/06/16</a:t>
             </a:fld>
             <a:endParaRPr lang="en-GB"/>
           </a:p>
@@ -2119,7 +2119,7 @@
           <a:p>
             <a:fld id="{AEA23B3A-87CB-104F-B159-B84B1DEF9AF8}" type="datetimeFigureOut">
               <a:rPr lang="en-US" smtClean="0"/>
-              <a:t>20/06/16</a:t>
+              <a:t>23/06/16</a:t>
             </a:fld>
             <a:endParaRPr lang="en-GB"/>
           </a:p>
@@ -2237,7 +2237,7 @@
           <a:p>
             <a:fld id="{AEA23B3A-87CB-104F-B159-B84B1DEF9AF8}" type="datetimeFigureOut">
               <a:rPr lang="en-US" smtClean="0"/>
-              <a:t>20/06/16</a:t>
+              <a:t>23/06/16</a:t>
             </a:fld>
             <a:endParaRPr lang="en-GB"/>
           </a:p>
@@ -2332,7 +2332,7 @@
           <a:p>
             <a:fld id="{AEA23B3A-87CB-104F-B159-B84B1DEF9AF8}" type="datetimeFigureOut">
               <a:rPr lang="en-US" smtClean="0"/>
-              <a:t>20/06/16</a:t>
+              <a:t>23/06/16</a:t>
             </a:fld>
             <a:endParaRPr lang="en-GB"/>
           </a:p>
@@ -2609,7 +2609,7 @@
           <a:p>
             <a:fld id="{AEA23B3A-87CB-104F-B159-B84B1DEF9AF8}" type="datetimeFigureOut">
               <a:rPr lang="en-US" smtClean="0"/>
-              <a:t>20/06/16</a:t>
+              <a:t>23/06/16</a:t>
             </a:fld>
             <a:endParaRPr lang="en-GB"/>
           </a:p>
@@ -2862,7 +2862,7 @@
           <a:p>
             <a:fld id="{AEA23B3A-87CB-104F-B159-B84B1DEF9AF8}" type="datetimeFigureOut">
               <a:rPr lang="en-US" smtClean="0"/>
-              <a:t>20/06/16</a:t>
+              <a:t>23/06/16</a:t>
             </a:fld>
             <a:endParaRPr lang="en-GB"/>
           </a:p>
@@ -3075,7 +3075,7 @@
           <a:p>
             <a:fld id="{AEA23B3A-87CB-104F-B159-B84B1DEF9AF8}" type="datetimeFigureOut">
               <a:rPr lang="en-US" smtClean="0"/>
-              <a:t>20/06/16</a:t>
+              <a:t>23/06/16</a:t>
             </a:fld>
             <a:endParaRPr lang="en-GB"/>
           </a:p>
@@ -3471,7 +3471,7 @@
         </p:blipFill>
         <p:spPr>
           <a:xfrm>
-            <a:off x="849185" y="242333"/>
+            <a:off x="849185" y="255161"/>
             <a:ext cx="7578745" cy="5186917"/>
           </a:xfrm>
           <a:prstGeom prst="rect">
@@ -7255,6 +7255,13 @@
   <p:clrMapOvr>
     <a:masterClrMapping/>
   </p:clrMapOvr>
+  <p:timing>
+    <p:tnLst>
+      <p:par>
+        <p:cTn xmlns:p14="http://schemas.microsoft.com/office/powerpoint/2010/main" id="1" dur="indefinite" restart="never" nodeType="tmRoot"/>
+      </p:par>
+    </p:tnLst>
+  </p:timing>
 </p:sld>
 </file>
 
@@ -7307,10 +7314,6 @@
               </a:rPr>
               <a:t>Entreprise</a:t>
             </a:r>
-            <a:endParaRPr lang="fr-FR" sz="2000" dirty="0" smtClean="0">
-              <a:latin typeface="Palatino"/>
-              <a:cs typeface="Palatino"/>
-            </a:endParaRPr>
           </a:p>
         </p:txBody>
       </p:sp>
@@ -7346,10 +7349,6 @@
               </a:rPr>
               <a:t>Architecture d’Entreprise</a:t>
             </a:r>
-            <a:endParaRPr lang="fr-FR" sz="2000" dirty="0" smtClean="0">
-              <a:latin typeface="Palatino"/>
-              <a:cs typeface="Palatino"/>
-            </a:endParaRPr>
           </a:p>
         </p:txBody>
       </p:sp>
@@ -7395,10 +7394,6 @@
               </a:rPr>
               <a:t>Architecture d’Entreprise</a:t>
             </a:r>
-            <a:endParaRPr lang="fr-FR" sz="2000" dirty="0" smtClean="0">
-              <a:latin typeface="Palatino"/>
-              <a:cs typeface="Palatino"/>
-            </a:endParaRPr>
           </a:p>
         </p:txBody>
       </p:sp>
@@ -27780,7 +27775,7 @@
       </p:pic>
       <p:pic>
         <p:nvPicPr>
-          <p:cNvPr id="6" name="Picture 5" descr="full-battery.png"/>
+          <p:cNvPr id="8" name="Picture 7" descr="sun (1).png"/>
           <p:cNvPicPr>
             <a:picLocks noChangeAspect="1"/>
           </p:cNvPicPr>
@@ -27800,36 +27795,6 @@
         </p:blipFill>
         <p:spPr>
           <a:xfrm>
-            <a:off x="1334415" y="4341690"/>
-            <a:ext cx="2323455" cy="2323455"/>
-          </a:xfrm>
-          <a:prstGeom prst="rect">
-            <a:avLst/>
-          </a:prstGeom>
-        </p:spPr>
-      </p:pic>
-      <p:pic>
-        <p:nvPicPr>
-          <p:cNvPr id="8" name="Picture 7" descr="sun (1).png"/>
-          <p:cNvPicPr>
-            <a:picLocks noChangeAspect="1"/>
-          </p:cNvPicPr>
-          <p:nvPr/>
-        </p:nvPicPr>
-        <p:blipFill>
-          <a:blip r:embed="rId5">
-            <a:extLst>
-              <a:ext uri="{28A0092B-C50C-407E-A947-70E740481C1C}">
-                <a14:useLocalDpi xmlns:a14="http://schemas.microsoft.com/office/drawing/2010/main" val="0"/>
-              </a:ext>
-            </a:extLst>
-          </a:blip>
-          <a:stretch>
-            <a:fillRect/>
-          </a:stretch>
-        </p:blipFill>
-        <p:spPr>
-          <a:xfrm>
             <a:off x="2082301" y="569734"/>
             <a:ext cx="1599420" cy="1599420"/>
           </a:xfrm>
@@ -27907,7 +27872,7 @@
           <p:nvPr/>
         </p:nvPicPr>
         <p:blipFill rotWithShape="1">
-          <a:blip r:embed="rId6">
+          <a:blip r:embed="rId5">
             <a:extLst>
               <a:ext uri="{28A0092B-C50C-407E-A947-70E740481C1C}">
                 <a14:useLocalDpi xmlns:a14="http://schemas.microsoft.com/office/drawing/2010/main" val="0"/>
@@ -27936,7 +27901,7 @@
           <p:nvPr/>
         </p:nvPicPr>
         <p:blipFill rotWithShape="1">
-          <a:blip r:embed="rId7">
+          <a:blip r:embed="rId6">
             <a:extLst>
               <a:ext uri="{28A0092B-C50C-407E-A947-70E740481C1C}">
                 <a14:useLocalDpi xmlns:a14="http://schemas.microsoft.com/office/drawing/2010/main" val="0"/>
@@ -27965,7 +27930,7 @@
           <p:nvPr/>
         </p:nvPicPr>
         <p:blipFill>
-          <a:blip r:embed="rId8">
+          <a:blip r:embed="rId7">
             <a:extLst>
               <a:ext uri="{28A0092B-C50C-407E-A947-70E740481C1C}">
                 <a14:useLocalDpi xmlns:a14="http://schemas.microsoft.com/office/drawing/2010/main" val="0"/>
@@ -27980,36 +27945,6 @@
           <a:xfrm>
             <a:off x="80393" y="1940955"/>
             <a:ext cx="914400" cy="476126"/>
-          </a:xfrm>
-          <a:prstGeom prst="rect">
-            <a:avLst/>
-          </a:prstGeom>
-        </p:spPr>
-      </p:pic>
-      <p:pic>
-        <p:nvPicPr>
-          <p:cNvPr id="14" name="Picture 13" descr="low-battery.png"/>
-          <p:cNvPicPr>
-            <a:picLocks noChangeAspect="1"/>
-          </p:cNvPicPr>
-          <p:nvPr/>
-        </p:nvPicPr>
-        <p:blipFill>
-          <a:blip r:embed="rId9">
-            <a:extLst>
-              <a:ext uri="{28A0092B-C50C-407E-A947-70E740481C1C}">
-                <a14:useLocalDpi xmlns:a14="http://schemas.microsoft.com/office/drawing/2010/main" val="0"/>
-              </a:ext>
-            </a:extLst>
-          </a:blip>
-          <a:stretch>
-            <a:fillRect/>
-          </a:stretch>
-        </p:blipFill>
-        <p:spPr>
-          <a:xfrm>
-            <a:off x="5491473" y="4332786"/>
-            <a:ext cx="2364509" cy="2364509"/>
           </a:xfrm>
           <a:prstGeom prst="rect">
             <a:avLst/>
@@ -41519,6 +41454,36 @@
           </p:spPr>
         </p:pic>
       </p:grpSp>
+      <p:pic>
+        <p:nvPicPr>
+          <p:cNvPr id="121" name="Image 39" descr="ve.png"/>
+          <p:cNvPicPr>
+            <a:picLocks noChangeAspect="1"/>
+          </p:cNvPicPr>
+          <p:nvPr/>
+        </p:nvPicPr>
+        <p:blipFill>
+          <a:blip r:embed="rId12">
+            <a:extLst>
+              <a:ext uri="{28A0092B-C50C-407E-A947-70E740481C1C}">
+                <a14:useLocalDpi xmlns:a14="http://schemas.microsoft.com/office/drawing/2010/main" val="0"/>
+              </a:ext>
+            </a:extLst>
+          </a:blip>
+          <a:stretch>
+            <a:fillRect/>
+          </a:stretch>
+        </p:blipFill>
+        <p:spPr>
+          <a:xfrm>
+            <a:off x="6940837" y="3707203"/>
+            <a:ext cx="310156" cy="310156"/>
+          </a:xfrm>
+          <a:prstGeom prst="rect">
+            <a:avLst/>
+          </a:prstGeom>
+        </p:spPr>
+      </p:pic>
     </p:spTree>
     <p:extLst>
       <p:ext uri="{BB962C8B-B14F-4D97-AF65-F5344CB8AC3E}">
@@ -41529,6 +41494,13 @@
   <p:clrMapOvr>
     <a:masterClrMapping/>
   </p:clrMapOvr>
+  <p:timing>
+    <p:tnLst>
+      <p:par>
+        <p:cTn xmlns:p14="http://schemas.microsoft.com/office/powerpoint/2010/main" id="1" dur="indefinite" restart="never" nodeType="tmRoot"/>
+      </p:par>
+    </p:tnLst>
+  </p:timing>
 </p:sld>
 </file>
 
@@ -41620,10 +41592,6 @@
               </a:rPr>
               <a:t>Complexe</a:t>
             </a:r>
-            <a:endParaRPr lang="fr-FR" sz="2400" dirty="0" smtClean="0">
-              <a:latin typeface="Palatino"/>
-              <a:cs typeface="Palatino"/>
-            </a:endParaRPr>
           </a:p>
         </p:txBody>
       </p:sp>
@@ -41742,10 +41710,6 @@
               </a:rPr>
               <a:t>Dynamique</a:t>
             </a:r>
-            <a:endParaRPr lang="fr-FR" sz="2400" dirty="0" smtClean="0">
-              <a:latin typeface="Palatino"/>
-              <a:cs typeface="Palatino"/>
-            </a:endParaRPr>
           </a:p>
         </p:txBody>
       </p:sp>
@@ -41819,10 +41783,6 @@
               </a:rPr>
               <a:t>Propriétés </a:t>
             </a:r>
-            <a:endParaRPr lang="fr-FR" sz="2000" i="1" dirty="0" smtClean="0">
-              <a:latin typeface="Palatino"/>
-              <a:cs typeface="Palatino"/>
-            </a:endParaRPr>
           </a:p>
         </p:txBody>
       </p:sp>
@@ -41858,10 +41818,6 @@
               </a:rPr>
               <a:t>Système étudié </a:t>
             </a:r>
-            <a:endParaRPr lang="fr-FR" sz="2000" i="1" dirty="0" smtClean="0">
-              <a:latin typeface="Palatino"/>
-              <a:cs typeface="Palatino"/>
-            </a:endParaRPr>
           </a:p>
         </p:txBody>
       </p:sp>
@@ -41966,10 +41922,6 @@
               </a:rPr>
               <a:t>Complexe</a:t>
             </a:r>
-            <a:endParaRPr lang="fr-FR" sz="2400" dirty="0" smtClean="0">
-              <a:latin typeface="Palatino"/>
-              <a:cs typeface="Palatino"/>
-            </a:endParaRPr>
           </a:p>
         </p:txBody>
       </p:sp>
@@ -42088,10 +42040,6 @@
               </a:rPr>
               <a:t>Dynamique</a:t>
             </a:r>
-            <a:endParaRPr lang="fr-FR" sz="2400" dirty="0" smtClean="0">
-              <a:latin typeface="Palatino"/>
-              <a:cs typeface="Palatino"/>
-            </a:endParaRPr>
           </a:p>
         </p:txBody>
       </p:sp>
@@ -42167,10 +42115,6 @@
               </a:rPr>
               <a:t>Modélisation</a:t>
             </a:r>
-            <a:endParaRPr lang="fr-CA" sz="2400" dirty="0" smtClean="0">
-              <a:latin typeface="Palatino"/>
-              <a:cs typeface="Palatino"/>
-            </a:endParaRPr>
           </a:p>
         </p:txBody>
       </p:sp>
@@ -42206,10 +42150,6 @@
               </a:rPr>
               <a:t>Évolutivité</a:t>
             </a:r>
-            <a:endParaRPr lang="fr-FR" sz="2400" dirty="0" smtClean="0">
-              <a:latin typeface="Palatino"/>
-              <a:cs typeface="Palatino"/>
-            </a:endParaRPr>
           </a:p>
         </p:txBody>
       </p:sp>
@@ -42284,10 +42224,6 @@
               </a:rPr>
               <a:t>Propriétés </a:t>
             </a:r>
-            <a:endParaRPr lang="fr-FR" sz="2000" i="1" dirty="0" smtClean="0">
-              <a:latin typeface="Palatino"/>
-              <a:cs typeface="Palatino"/>
-            </a:endParaRPr>
           </a:p>
         </p:txBody>
       </p:sp>
@@ -42323,10 +42259,6 @@
               </a:rPr>
               <a:t>Système étudié </a:t>
             </a:r>
-            <a:endParaRPr lang="fr-FR" sz="2000" i="1" dirty="0" smtClean="0">
-              <a:latin typeface="Palatino"/>
-              <a:cs typeface="Palatino"/>
-            </a:endParaRPr>
           </a:p>
         </p:txBody>
       </p:sp>
@@ -42360,10 +42292,6 @@
               </a:rPr>
               <a:t>Besoins</a:t>
             </a:r>
-            <a:endParaRPr lang="fr-FR" sz="2000" i="1" dirty="0" smtClean="0">
-              <a:latin typeface="Palatino"/>
-              <a:cs typeface="Palatino"/>
-            </a:endParaRPr>
           </a:p>
         </p:txBody>
       </p:sp>
@@ -42506,10 +42434,6 @@
               </a:rPr>
               <a:t>Complexe</a:t>
             </a:r>
-            <a:endParaRPr lang="fr-FR" sz="2400" dirty="0" smtClean="0">
-              <a:latin typeface="Palatino"/>
-              <a:cs typeface="Palatino"/>
-            </a:endParaRPr>
           </a:p>
         </p:txBody>
       </p:sp>
@@ -42628,10 +42552,6 @@
               </a:rPr>
               <a:t>Dynamique</a:t>
             </a:r>
-            <a:endParaRPr lang="fr-FR" sz="2400" dirty="0" smtClean="0">
-              <a:latin typeface="Palatino"/>
-              <a:cs typeface="Palatino"/>
-            </a:endParaRPr>
           </a:p>
         </p:txBody>
       </p:sp>
@@ -42707,10 +42627,6 @@
               </a:rPr>
               <a:t>Modélisation</a:t>
             </a:r>
-            <a:endParaRPr lang="fr-CA" sz="2400" dirty="0" smtClean="0">
-              <a:latin typeface="Palatino"/>
-              <a:cs typeface="Palatino"/>
-            </a:endParaRPr>
           </a:p>
         </p:txBody>
       </p:sp>
@@ -42746,10 +42662,6 @@
               </a:rPr>
               <a:t>Évolutivité</a:t>
             </a:r>
-            <a:endParaRPr lang="fr-FR" sz="2400" dirty="0" smtClean="0">
-              <a:latin typeface="Palatino"/>
-              <a:cs typeface="Palatino"/>
-            </a:endParaRPr>
           </a:p>
         </p:txBody>
       </p:sp>
@@ -42785,10 +42697,6 @@
               </a:rPr>
               <a:t>Architecture d’Entreprise</a:t>
             </a:r>
-            <a:endParaRPr lang="fr-FR" sz="2400" dirty="0" smtClean="0">
-              <a:latin typeface="Palatino"/>
-              <a:cs typeface="Palatino"/>
-            </a:endParaRPr>
           </a:p>
         </p:txBody>
       </p:sp>
@@ -42834,10 +42742,6 @@
               </a:rPr>
               <a:t>par les Modèles</a:t>
             </a:r>
-            <a:endParaRPr lang="fr-FR" sz="2400" dirty="0" smtClean="0">
-              <a:latin typeface="Palatino"/>
-              <a:cs typeface="Palatino"/>
-            </a:endParaRPr>
           </a:p>
         </p:txBody>
       </p:sp>
@@ -42950,10 +42854,6 @@
               </a:rPr>
               <a:t>Propriétés </a:t>
             </a:r>
-            <a:endParaRPr lang="fr-FR" sz="2000" i="1" dirty="0" smtClean="0">
-              <a:latin typeface="Palatino"/>
-              <a:cs typeface="Palatino"/>
-            </a:endParaRPr>
           </a:p>
         </p:txBody>
       </p:sp>
@@ -42989,10 +42889,6 @@
               </a:rPr>
               <a:t>Système étudié </a:t>
             </a:r>
-            <a:endParaRPr lang="fr-FR" sz="2000" i="1" dirty="0" smtClean="0">
-              <a:latin typeface="Palatino"/>
-              <a:cs typeface="Palatino"/>
-            </a:endParaRPr>
           </a:p>
         </p:txBody>
       </p:sp>
@@ -43026,10 +42922,6 @@
               </a:rPr>
               <a:t>Besoins</a:t>
             </a:r>
-            <a:endParaRPr lang="fr-FR" sz="2000" i="1" dirty="0" smtClean="0">
-              <a:latin typeface="Palatino"/>
-              <a:cs typeface="Palatino"/>
-            </a:endParaRPr>
           </a:p>
         </p:txBody>
       </p:sp>
@@ -43063,10 +42955,6 @@
               </a:rPr>
               <a:t>Approches existantes </a:t>
             </a:r>
-            <a:endParaRPr lang="fr-CA" sz="2000" i="1" dirty="0" smtClean="0">
-              <a:latin typeface="Palatino"/>
-              <a:cs typeface="Palatino"/>
-            </a:endParaRPr>
           </a:p>
         </p:txBody>
       </p:sp>
@@ -43208,10 +43096,6 @@
               </a:rPr>
               <a:t>Entreprise</a:t>
             </a:r>
-            <a:endParaRPr lang="fr-FR" sz="2000" dirty="0" smtClean="0">
-              <a:latin typeface="Palatino"/>
-              <a:cs typeface="Palatino"/>
-            </a:endParaRPr>
           </a:p>
         </p:txBody>
       </p:sp>
@@ -43247,10 +43131,6 @@
               </a:rPr>
               <a:t>Architecture d’Entreprise</a:t>
             </a:r>
-            <a:endParaRPr lang="fr-FR" sz="2000" dirty="0" smtClean="0">
-              <a:latin typeface="Palatino"/>
-              <a:cs typeface="Palatino"/>
-            </a:endParaRPr>
           </a:p>
         </p:txBody>
       </p:sp>
@@ -44222,10 +44102,6 @@
                 </a:rPr>
                 <a:t>Validation /critique</a:t>
               </a:r>
-              <a:endParaRPr lang="fr-FR" sz="2000" dirty="0" smtClean="0">
-                <a:latin typeface="Palatino"/>
-                <a:cs typeface="Palatino"/>
-              </a:endParaRPr>
             </a:p>
           </p:txBody>
         </p:sp>
@@ -44399,10 +44275,6 @@
                 </a:rPr>
                 <a:t>Modélisation</a:t>
               </a:r>
-              <a:endParaRPr lang="fr-FR" sz="2000" dirty="0" smtClean="0">
-                <a:latin typeface="Palatino"/>
-                <a:cs typeface="Palatino"/>
-              </a:endParaRPr>
             </a:p>
           </p:txBody>
         </p:sp>
@@ -44498,10 +44370,6 @@
                 </a:rPr>
                 <a:t>Analyse</a:t>
               </a:r>
-              <a:endParaRPr lang="fr-FR" sz="2000" dirty="0" smtClean="0">
-                <a:latin typeface="Palatino"/>
-                <a:cs typeface="Palatino"/>
-              </a:endParaRPr>
             </a:p>
           </p:txBody>
         </p:sp>
